--- a/slides/Nightlight-Circuit.pptx
+++ b/slides/Nightlight-Circuit.pptx
@@ -4435,6 +4435,44 @@
                 <a:cs typeface="Arial" panose="020B0604020202020204" pitchFamily="34" charset="0"/>
               </a:rPr>
               <a:t>GND</a:t>
+            </a:r>
+          </a:p>
+        </p:txBody>
+      </p:sp>
+      <p:sp>
+        <p:nvSpPr>
+          <p:cNvPr id="68" name="TextBox 67">
+            <a:extLst>
+              <a:ext uri="{FF2B5EF4-FFF2-40B4-BE49-F238E27FC236}">
+                <a16:creationId xmlns:a16="http://schemas.microsoft.com/office/drawing/2014/main" id="{74B7E099-1367-78A2-AC02-E4936B7408B1}"/>
+              </a:ext>
+            </a:extLst>
+          </p:cNvPr>
+          <p:cNvSpPr txBox="1"/>
+          <p:nvPr/>
+        </p:nvSpPr>
+        <p:spPr>
+          <a:xfrm>
+            <a:off x="8993368" y="3039270"/>
+            <a:ext cx="992579" cy="369332"/>
+          </a:xfrm>
+          <a:prstGeom prst="rect">
+            <a:avLst/>
+          </a:prstGeom>
+          <a:noFill/>
+        </p:spPr>
+        <p:txBody>
+          <a:bodyPr wrap="none" rtlCol="0">
+            <a:spAutoFit/>
+          </a:bodyPr>
+          <a:lstStyle/>
+          <a:p>
+            <a:r>
+              <a:rPr lang="en-US" dirty="0">
+                <a:latin typeface="Arial" panose="020B0604020202020204" pitchFamily="34" charset="0"/>
+                <a:cs typeface="Arial" panose="020B0604020202020204" pitchFamily="34" charset="0"/>
+              </a:rPr>
+              <a:t>2N2222</a:t>
             </a:r>
           </a:p>
         </p:txBody>
